--- a/SE311-114G/IPR3_Placeholder.pptx
+++ b/SE311-114G/IPR3_Placeholder.pptx
@@ -142,7 +142,7 @@
   </p:defaultTextStyle>
   <p:extLst>
     <p:ext uri="{EFAFB233-063F-42B5-8137-9DF3F51BA10A}">
-      <p15:sldGuideLst xmlns="" xmlns:p15="http://schemas.microsoft.com/office/powerpoint/2012/main">
+      <p15:sldGuideLst xmlns:p15="http://schemas.microsoft.com/office/powerpoint/2012/main" xmlns="">
         <p15:guide id="1" orient="horz" pos="2160">
           <p15:clr>
             <a:srgbClr val="A4A3A4"/>
@@ -422,7 +422,7 @@
     </p:spTree>
     <p:extLst>
       <p:ext uri="{BB962C8B-B14F-4D97-AF65-F5344CB8AC3E}">
-        <p14:creationId xmlns:p14="http://schemas.microsoft.com/office/powerpoint/2010/main" xmlns="" val="3003612119"/>
+        <p14:creationId xmlns="" xmlns:p14="http://schemas.microsoft.com/office/powerpoint/2010/main" val="3003612119"/>
       </p:ext>
     </p:extLst>
   </p:cSld>
@@ -599,7 +599,7 @@
     </p:spTree>
     <p:extLst>
       <p:ext uri="{BB962C8B-B14F-4D97-AF65-F5344CB8AC3E}">
-        <p14:creationId xmlns:p14="http://schemas.microsoft.com/office/powerpoint/2010/main" xmlns="" val="3945187017"/>
+        <p14:creationId xmlns="" xmlns:p14="http://schemas.microsoft.com/office/powerpoint/2010/main" val="3945187017"/>
       </p:ext>
     </p:extLst>
   </p:cSld>
@@ -800,7 +800,7 @@
     </p:spTree>
     <p:extLst>
       <p:ext uri="{BB962C8B-B14F-4D97-AF65-F5344CB8AC3E}">
-        <p14:creationId xmlns:p14="http://schemas.microsoft.com/office/powerpoint/2010/main" xmlns="" val="596648280"/>
+        <p14:creationId xmlns="" xmlns:p14="http://schemas.microsoft.com/office/powerpoint/2010/main" val="596648280"/>
       </p:ext>
     </p:extLst>
   </p:cSld>
@@ -938,7 +938,7 @@
     </p:spTree>
     <p:extLst>
       <p:ext uri="{BB962C8B-B14F-4D97-AF65-F5344CB8AC3E}">
-        <p14:creationId xmlns:p14="http://schemas.microsoft.com/office/powerpoint/2010/main" xmlns="" val="3351290123"/>
+        <p14:creationId xmlns="" xmlns:p14="http://schemas.microsoft.com/office/powerpoint/2010/main" val="3351290123"/>
       </p:ext>
     </p:extLst>
   </p:cSld>
@@ -1084,7 +1084,7 @@
     </p:spTree>
     <p:extLst>
       <p:ext uri="{BB962C8B-B14F-4D97-AF65-F5344CB8AC3E}">
-        <p14:creationId xmlns:p14="http://schemas.microsoft.com/office/powerpoint/2010/main" xmlns="" val="999617570"/>
+        <p14:creationId xmlns="" xmlns:p14="http://schemas.microsoft.com/office/powerpoint/2010/main" val="999617570"/>
       </p:ext>
     </p:extLst>
   </p:cSld>
@@ -1171,7 +1171,7 @@
     </p:spTree>
     <p:extLst>
       <p:ext uri="{BB962C8B-B14F-4D97-AF65-F5344CB8AC3E}">
-        <p14:creationId xmlns:p14="http://schemas.microsoft.com/office/powerpoint/2010/main" xmlns="" val="1484068155"/>
+        <p14:creationId xmlns="" xmlns:p14="http://schemas.microsoft.com/office/powerpoint/2010/main" val="1484068155"/>
       </p:ext>
     </p:extLst>
   </p:cSld>
@@ -1350,7 +1350,7 @@
     </p:spTree>
     <p:extLst>
       <p:ext uri="{BB962C8B-B14F-4D97-AF65-F5344CB8AC3E}">
-        <p14:creationId xmlns:p14="http://schemas.microsoft.com/office/powerpoint/2010/main" xmlns="" val="707428501"/>
+        <p14:creationId xmlns="" xmlns:p14="http://schemas.microsoft.com/office/powerpoint/2010/main" val="707428501"/>
       </p:ext>
     </p:extLst>
   </p:cSld>
@@ -1406,14 +1406,14 @@
           <a:ln/>
           <a:extLst>
             <a:ext uri="{909E8E84-426E-40DD-AFC4-6F175D3DCCD1}">
-              <a14:hiddenFill xmlns:a14="http://schemas.microsoft.com/office/drawing/2010/main" xmlns="">
+              <a14:hiddenFill xmlns="" xmlns:a14="http://schemas.microsoft.com/office/drawing/2010/main">
                 <a:solidFill>
                   <a:srgbClr val="FFFFFF"/>
                 </a:solidFill>
               </a14:hiddenFill>
             </a:ext>
             <a:ext uri="{91240B29-F687-4F45-9708-019B960494DF}">
-              <a14:hiddenLine xmlns:a14="http://schemas.microsoft.com/office/drawing/2010/main" xmlns="" w="9525">
+              <a14:hiddenLine xmlns="" xmlns:a14="http://schemas.microsoft.com/office/drawing/2010/main" w="9525">
                 <a:solidFill>
                   <a:srgbClr val="000000"/>
                 </a:solidFill>
@@ -1435,7 +1435,7 @@
     </p:spTree>
     <p:extLst>
       <p:ext uri="{BB962C8B-B14F-4D97-AF65-F5344CB8AC3E}">
-        <p14:creationId xmlns:p14="http://schemas.microsoft.com/office/powerpoint/2010/main" xmlns="" val="4007934424"/>
+        <p14:creationId xmlns="" xmlns:p14="http://schemas.microsoft.com/office/powerpoint/2010/main" val="4007934424"/>
       </p:ext>
     </p:extLst>
   </p:cSld>
@@ -1520,7 +1520,7 @@
     </p:spTree>
     <p:extLst>
       <p:ext uri="{BB962C8B-B14F-4D97-AF65-F5344CB8AC3E}">
-        <p14:creationId xmlns:p14="http://schemas.microsoft.com/office/powerpoint/2010/main" xmlns="" val="1951447942"/>
+        <p14:creationId xmlns="" xmlns:p14="http://schemas.microsoft.com/office/powerpoint/2010/main" val="1951447942"/>
       </p:ext>
     </p:extLst>
   </p:cSld>
@@ -1730,7 +1730,7 @@
     </p:spTree>
     <p:extLst>
       <p:ext uri="{BB962C8B-B14F-4D97-AF65-F5344CB8AC3E}">
-        <p14:creationId xmlns:p14="http://schemas.microsoft.com/office/powerpoint/2010/main" xmlns="" val="2195256707"/>
+        <p14:creationId xmlns="" xmlns:p14="http://schemas.microsoft.com/office/powerpoint/2010/main" val="2195256707"/>
       </p:ext>
     </p:extLst>
   </p:cSld>
@@ -1845,7 +1845,7 @@
     </p:spTree>
     <p:extLst>
       <p:ext uri="{BB962C8B-B14F-4D97-AF65-F5344CB8AC3E}">
-        <p14:creationId xmlns:p14="http://schemas.microsoft.com/office/powerpoint/2010/main" xmlns="" val="147635220"/>
+        <p14:creationId xmlns="" xmlns:p14="http://schemas.microsoft.com/office/powerpoint/2010/main" val="147635220"/>
       </p:ext>
     </p:extLst>
   </p:cSld>
@@ -1936,7 +1936,7 @@
     </p:spTree>
     <p:extLst>
       <p:ext uri="{BB962C8B-B14F-4D97-AF65-F5344CB8AC3E}">
-        <p14:creationId xmlns:p14="http://schemas.microsoft.com/office/powerpoint/2010/main" xmlns="" val="4124946969"/>
+        <p14:creationId xmlns="" xmlns:p14="http://schemas.microsoft.com/office/powerpoint/2010/main" val="4124946969"/>
       </p:ext>
     </p:extLst>
   </p:cSld>
@@ -2027,7 +2027,7 @@
     </p:spTree>
     <p:extLst>
       <p:ext uri="{BB962C8B-B14F-4D97-AF65-F5344CB8AC3E}">
-        <p14:creationId xmlns:p14="http://schemas.microsoft.com/office/powerpoint/2010/main" xmlns="" val="2689014497"/>
+        <p14:creationId xmlns="" xmlns:p14="http://schemas.microsoft.com/office/powerpoint/2010/main" val="2689014497"/>
       </p:ext>
     </p:extLst>
   </p:cSld>
@@ -9678,7 +9678,7 @@
           <a:blip r:embed="rId5" cstate="print">
             <a:extLst>
               <a:ext uri="{28A0092B-C50C-407E-A947-70E740481C1C}">
-                <a14:useLocalDpi xmlns:a14="http://schemas.microsoft.com/office/drawing/2010/main" xmlns="" val="0"/>
+                <a14:useLocalDpi xmlns="" xmlns:a14="http://schemas.microsoft.com/office/drawing/2010/main" val="0"/>
               </a:ext>
             </a:extLst>
           </a:blip>
@@ -9698,7 +9698,7 @@
           <a:noFill/>
           <a:extLst>
             <a:ext uri="{909E8E84-426E-40DD-AFC4-6F175D3DCCD1}">
-              <a14:hiddenFill xmlns:a14="http://schemas.microsoft.com/office/drawing/2010/main" xmlns="">
+              <a14:hiddenFill xmlns="" xmlns:a14="http://schemas.microsoft.com/office/drawing/2010/main">
                 <a:solidFill>
                   <a:srgbClr val="FFFFFF"/>
                 </a:solidFill>
@@ -11449,7 +11449,7 @@
               <a:blip r:embed="rId3" cstate="print">
                 <a:extLst>
                   <a:ext uri="{28A0092B-C50C-407E-A947-70E740481C1C}">
-                    <a14:useLocalDpi xmlns:a14="http://schemas.microsoft.com/office/drawing/2010/main" xmlns="" val="0"/>
+                    <a14:useLocalDpi xmlns="" xmlns:a14="http://schemas.microsoft.com/office/drawing/2010/main" val="0"/>
                   </a:ext>
                 </a:extLst>
               </a:blip>
@@ -11473,14 +11473,14 @@
               <a:effectLst/>
               <a:extLst>
                 <a:ext uri="{909E8E84-426E-40DD-AFC4-6F175D3DCCD1}">
-                  <a14:hiddenFill xmlns:a14="http://schemas.microsoft.com/office/drawing/2010/main" xmlns="">
+                  <a14:hiddenFill xmlns="" xmlns:a14="http://schemas.microsoft.com/office/drawing/2010/main">
                     <a:solidFill>
                       <a:schemeClr val="accent1"/>
                     </a:solidFill>
                   </a14:hiddenFill>
                 </a:ext>
                 <a:ext uri="{91240B29-F687-4F45-9708-019B960494DF}">
-                  <a14:hiddenLine xmlns:a14="http://schemas.microsoft.com/office/drawing/2010/main" xmlns="" w="9525">
+                  <a14:hiddenLine xmlns="" xmlns:a14="http://schemas.microsoft.com/office/drawing/2010/main" w="9525">
                     <a:solidFill>
                       <a:schemeClr val="tx1"/>
                     </a:solidFill>
@@ -11490,7 +11490,7 @@
                   </a14:hiddenLine>
                 </a:ext>
                 <a:ext uri="{AF507438-7753-43E0-B8FC-AC1667EBCBE1}">
-                  <a14:hiddenEffects xmlns:a14="http://schemas.microsoft.com/office/drawing/2010/main" xmlns="">
+                  <a14:hiddenEffects xmlns="" xmlns:a14="http://schemas.microsoft.com/office/drawing/2010/main">
                     <a:effectLst>
                       <a:outerShdw dist="35921" dir="2700000" algn="ctr" rotWithShape="0">
                         <a:schemeClr val="bg2"/>
@@ -11948,7 +11948,7 @@
     </p:spTree>
     <p:extLst>
       <p:ext uri="{BB962C8B-B14F-4D97-AF65-F5344CB8AC3E}">
-        <p14:creationId xmlns:p14="http://schemas.microsoft.com/office/powerpoint/2010/main" xmlns="" val="2558133206"/>
+        <p14:creationId xmlns="" xmlns:p14="http://schemas.microsoft.com/office/powerpoint/2010/main" val="2558133206"/>
       </p:ext>
     </p:extLst>
   </p:cSld>
@@ -12031,7 +12031,7 @@
     </p:spTree>
     <p:extLst>
       <p:ext uri="{BB962C8B-B14F-4D97-AF65-F5344CB8AC3E}">
-        <p14:creationId xmlns:p14="http://schemas.microsoft.com/office/powerpoint/2010/main" xmlns="" val="1178502406"/>
+        <p14:creationId xmlns="" xmlns:p14="http://schemas.microsoft.com/office/powerpoint/2010/main" val="1178502406"/>
       </p:ext>
     </p:extLst>
   </p:cSld>
@@ -12116,7 +12116,7 @@
     </p:spTree>
     <p:extLst>
       <p:ext uri="{BB962C8B-B14F-4D97-AF65-F5344CB8AC3E}">
-        <p14:creationId xmlns:p14="http://schemas.microsoft.com/office/powerpoint/2010/main" xmlns="" val="2906130373"/>
+        <p14:creationId xmlns="" xmlns:p14="http://schemas.microsoft.com/office/powerpoint/2010/main" val="2906130373"/>
       </p:ext>
     </p:extLst>
   </p:cSld>
@@ -12519,7 +12519,7 @@
     </p:spTree>
     <p:extLst>
       <p:ext uri="{BB962C8B-B14F-4D97-AF65-F5344CB8AC3E}">
-        <p14:creationId xmlns:p14="http://schemas.microsoft.com/office/powerpoint/2010/main" xmlns="" val="4253323048"/>
+        <p14:creationId xmlns="" xmlns:p14="http://schemas.microsoft.com/office/powerpoint/2010/main" val="4253323048"/>
       </p:ext>
     </p:extLst>
   </p:cSld>
@@ -12970,7 +12970,7 @@
     </p:spTree>
     <p:extLst>
       <p:ext uri="{BB962C8B-B14F-4D97-AF65-F5344CB8AC3E}">
-        <p14:creationId xmlns:p14="http://schemas.microsoft.com/office/powerpoint/2010/main" xmlns="" val="2564024127"/>
+        <p14:creationId xmlns="" xmlns:p14="http://schemas.microsoft.com/office/powerpoint/2010/main" val="2564024127"/>
       </p:ext>
     </p:extLst>
   </p:cSld>
@@ -13072,7 +13072,7 @@
     </p:spTree>
     <p:extLst>
       <p:ext uri="{BB962C8B-B14F-4D97-AF65-F5344CB8AC3E}">
-        <p14:creationId xmlns:p14="http://schemas.microsoft.com/office/powerpoint/2010/main" xmlns="" val="103160361"/>
+        <p14:creationId xmlns="" xmlns:p14="http://schemas.microsoft.com/office/powerpoint/2010/main" val="103160361"/>
       </p:ext>
     </p:extLst>
   </p:cSld>
@@ -13174,7 +13174,7 @@
     </p:spTree>
     <p:extLst>
       <p:ext uri="{BB962C8B-B14F-4D97-AF65-F5344CB8AC3E}">
-        <p14:creationId xmlns:p14="http://schemas.microsoft.com/office/powerpoint/2010/main" xmlns="" val="3790944127"/>
+        <p14:creationId xmlns="" xmlns:p14="http://schemas.microsoft.com/office/powerpoint/2010/main" val="3790944127"/>
       </p:ext>
     </p:extLst>
   </p:cSld>
@@ -13276,7 +13276,7 @@
     </p:spTree>
     <p:extLst>
       <p:ext uri="{BB962C8B-B14F-4D97-AF65-F5344CB8AC3E}">
-        <p14:creationId xmlns:p14="http://schemas.microsoft.com/office/powerpoint/2010/main" xmlns="" val="2469950236"/>
+        <p14:creationId xmlns="" xmlns:p14="http://schemas.microsoft.com/office/powerpoint/2010/main" val="2469950236"/>
       </p:ext>
     </p:extLst>
   </p:cSld>
@@ -13378,7 +13378,7 @@
     </p:spTree>
     <p:extLst>
       <p:ext uri="{BB962C8B-B14F-4D97-AF65-F5344CB8AC3E}">
-        <p14:creationId xmlns:p14="http://schemas.microsoft.com/office/powerpoint/2010/main" xmlns="" val="558685948"/>
+        <p14:creationId xmlns="" xmlns:p14="http://schemas.microsoft.com/office/powerpoint/2010/main" val="558685948"/>
       </p:ext>
     </p:extLst>
   </p:cSld>
@@ -13446,7 +13446,9 @@
           </a:xfrm>
         </p:spPr>
         <p:txBody>
-          <a:bodyPr/>
+          <a:bodyPr>
+            <a:normAutofit lnSpcReduction="10000"/>
+          </a:bodyPr>
           <a:lstStyle/>
           <a:p>
             <a:r>
@@ -13455,8 +13457,113 @@
                   <a:schemeClr val="tx1"/>
                 </a:solidFill>
               </a:rPr>
-              <a:t>TODO: Add overview here.  Nothing exists in the paper.</a:t>
-            </a:r>
+              <a:t>Challenges</a:t>
+            </a:r>
+          </a:p>
+          <a:p>
+            <a:pPr lvl="1"/>
+            <a:r>
+              <a:rPr lang="en-US" dirty="0" smtClean="0">
+                <a:solidFill>
+                  <a:schemeClr val="tx1"/>
+                </a:solidFill>
+              </a:rPr>
+              <a:t>Toolset</a:t>
+            </a:r>
+          </a:p>
+          <a:p>
+            <a:pPr lvl="1"/>
+            <a:r>
+              <a:rPr lang="en-US" dirty="0" smtClean="0">
+                <a:solidFill>
+                  <a:schemeClr val="tx1"/>
+                </a:solidFill>
+              </a:rPr>
+              <a:t>Data classification</a:t>
+            </a:r>
+            <a:endParaRPr lang="en-US" dirty="0" smtClean="0">
+              <a:solidFill>
+                <a:schemeClr val="tx1"/>
+              </a:solidFill>
+            </a:endParaRPr>
+          </a:p>
+          <a:p>
+            <a:r>
+              <a:rPr lang="en-US" dirty="0" smtClean="0">
+                <a:solidFill>
+                  <a:schemeClr val="tx1"/>
+                </a:solidFill>
+              </a:rPr>
+              <a:t>Follow-on work</a:t>
+            </a:r>
+          </a:p>
+          <a:p>
+            <a:pPr lvl="1"/>
+            <a:r>
+              <a:rPr lang="en-US" dirty="0" smtClean="0">
+                <a:solidFill>
+                  <a:schemeClr val="tx1"/>
+                </a:solidFill>
+              </a:rPr>
+              <a:t>Dashboard</a:t>
+            </a:r>
+          </a:p>
+          <a:p>
+            <a:pPr lvl="1"/>
+            <a:r>
+              <a:rPr lang="en-US" dirty="0" smtClean="0">
+                <a:solidFill>
+                  <a:schemeClr val="tx1"/>
+                </a:solidFill>
+              </a:rPr>
+              <a:t>In-depth analysis</a:t>
+            </a:r>
+          </a:p>
+          <a:p>
+            <a:pPr lvl="1"/>
+            <a:r>
+              <a:rPr lang="en-US" dirty="0" smtClean="0">
+                <a:solidFill>
+                  <a:schemeClr val="tx1"/>
+                </a:solidFill>
+              </a:rPr>
+              <a:t>Emerging technologies</a:t>
+            </a:r>
+          </a:p>
+          <a:p>
+            <a:pPr lvl="1"/>
+            <a:r>
+              <a:rPr lang="en-US" dirty="0" smtClean="0">
+                <a:solidFill>
+                  <a:schemeClr val="tx1"/>
+                </a:solidFill>
+              </a:rPr>
+              <a:t>Trade-space</a:t>
+            </a:r>
+          </a:p>
+          <a:p>
+            <a:r>
+              <a:rPr lang="en-US" dirty="0" smtClean="0">
+                <a:solidFill>
+                  <a:schemeClr val="tx1"/>
+                </a:solidFill>
+              </a:rPr>
+              <a:t>Conclusions</a:t>
+            </a:r>
+          </a:p>
+          <a:p>
+            <a:pPr lvl="1"/>
+            <a:r>
+              <a:rPr lang="en-US" dirty="0" smtClean="0">
+                <a:solidFill>
+                  <a:schemeClr val="tx1"/>
+                </a:solidFill>
+              </a:rPr>
+              <a:t>Value created by this effort</a:t>
+            </a:r>
+          </a:p>
+          <a:p>
+            <a:pPr lvl="1"/>
             <a:endParaRPr lang="en-US" dirty="0">
               <a:solidFill>
                 <a:schemeClr val="tx1"/>
@@ -13637,7 +13744,7 @@
     </p:spTree>
     <p:extLst>
       <p:ext uri="{BB962C8B-B14F-4D97-AF65-F5344CB8AC3E}">
-        <p14:creationId xmlns:p14="http://schemas.microsoft.com/office/powerpoint/2010/main" xmlns="" val="2709611997"/>
+        <p14:creationId xmlns="" xmlns:p14="http://schemas.microsoft.com/office/powerpoint/2010/main" val="2709611997"/>
       </p:ext>
     </p:extLst>
   </p:cSld>
@@ -13761,7 +13868,7 @@
     </p:spTree>
     <p:extLst>
       <p:ext uri="{BB962C8B-B14F-4D97-AF65-F5344CB8AC3E}">
-        <p14:creationId xmlns:p14="http://schemas.microsoft.com/office/powerpoint/2010/main" xmlns="" val="716121289"/>
+        <p14:creationId xmlns="" xmlns:p14="http://schemas.microsoft.com/office/powerpoint/2010/main" val="716121289"/>
       </p:ext>
     </p:extLst>
   </p:cSld>
@@ -14453,10 +14560,72 @@
         </p:nvSpPr>
         <p:spPr/>
         <p:txBody>
-          <a:bodyPr/>
-          <a:lstStyle/>
-          <a:p>
-            <a:endParaRPr lang="en-US"/>
+          <a:bodyPr>
+            <a:normAutofit fontScale="92500" lnSpcReduction="20000"/>
+          </a:bodyPr>
+          <a:lstStyle/>
+          <a:p>
+            <a:r>
+              <a:rPr lang="en-US" dirty="0" smtClean="0"/>
+              <a:t>Developed a process that is:</a:t>
+            </a:r>
+          </a:p>
+          <a:p>
+            <a:pPr lvl="1"/>
+            <a:r>
+              <a:rPr lang="en-US" dirty="0" smtClean="0"/>
+              <a:t>Effective</a:t>
+            </a:r>
+          </a:p>
+          <a:p>
+            <a:pPr lvl="1"/>
+            <a:r>
+              <a:rPr lang="en-US" dirty="0" smtClean="0"/>
+              <a:t>Repeatable</a:t>
+            </a:r>
+          </a:p>
+          <a:p>
+            <a:pPr lvl="1"/>
+            <a:r>
+              <a:rPr lang="en-US" dirty="0" smtClean="0"/>
+              <a:t>Adaptable</a:t>
+            </a:r>
+          </a:p>
+          <a:p>
+            <a:r>
+              <a:rPr lang="en-US" dirty="0" smtClean="0"/>
+              <a:t>Lays groundwork for additional </a:t>
+            </a:r>
+            <a:r>
+              <a:rPr lang="en-US" dirty="0" smtClean="0"/>
+              <a:t>research</a:t>
+            </a:r>
+          </a:p>
+          <a:p>
+            <a:r>
+              <a:rPr lang="en-US" dirty="0" smtClean="0"/>
+              <a:t>Provide support for doctrinal and organizational changes</a:t>
+            </a:r>
+          </a:p>
+          <a:p>
+            <a:r>
+              <a:rPr lang="en-US" dirty="0" smtClean="0"/>
+              <a:t>Demonstrate importance of </a:t>
+            </a:r>
+            <a:r>
+              <a:rPr lang="en-US" dirty="0" err="1" smtClean="0"/>
+              <a:t>SoS</a:t>
+            </a:r>
+            <a:r>
+              <a:rPr lang="en-US" dirty="0" smtClean="0"/>
+              <a:t> factors and effects</a:t>
+            </a:r>
+          </a:p>
+          <a:p>
+            <a:r>
+              <a:rPr lang="en-US" dirty="0" smtClean="0"/>
+              <a:t>Provide support for feasibility study for emerging technologies</a:t>
+            </a:r>
           </a:p>
         </p:txBody>
       </p:sp>
@@ -14487,7 +14656,7 @@
     </p:spTree>
     <p:extLst>
       <p:ext uri="{BB962C8B-B14F-4D97-AF65-F5344CB8AC3E}">
-        <p14:creationId xmlns:p14="http://schemas.microsoft.com/office/powerpoint/2010/main" xmlns="" val="2631875995"/>
+        <p14:creationId xmlns="" xmlns:p14="http://schemas.microsoft.com/office/powerpoint/2010/main" val="2631875995"/>
       </p:ext>
     </p:extLst>
   </p:cSld>
@@ -14583,7 +14752,7 @@
     </p:spTree>
     <p:extLst>
       <p:ext uri="{BB962C8B-B14F-4D97-AF65-F5344CB8AC3E}">
-        <p14:creationId xmlns:p14="http://schemas.microsoft.com/office/powerpoint/2010/main" xmlns="" val="530802081"/>
+        <p14:creationId xmlns="" xmlns:p14="http://schemas.microsoft.com/office/powerpoint/2010/main" val="530802081"/>
       </p:ext>
     </p:extLst>
   </p:cSld>
@@ -14660,7 +14829,7 @@
     </p:spTree>
     <p:extLst>
       <p:ext uri="{BB962C8B-B14F-4D97-AF65-F5344CB8AC3E}">
-        <p14:creationId xmlns:p14="http://schemas.microsoft.com/office/powerpoint/2010/main" xmlns="" val="3482307725"/>
+        <p14:creationId xmlns="" xmlns:p14="http://schemas.microsoft.com/office/powerpoint/2010/main" val="3482307725"/>
       </p:ext>
     </p:extLst>
   </p:cSld>
@@ -14778,7 +14947,7 @@
     </p:spTree>
     <p:extLst>
       <p:ext uri="{BB962C8B-B14F-4D97-AF65-F5344CB8AC3E}">
-        <p14:creationId xmlns:p14="http://schemas.microsoft.com/office/powerpoint/2010/main" xmlns="" val="503478686"/>
+        <p14:creationId xmlns="" xmlns:p14="http://schemas.microsoft.com/office/powerpoint/2010/main" val="503478686"/>
       </p:ext>
     </p:extLst>
   </p:cSld>
@@ -15067,7 +15236,7 @@
     </p:spTree>
     <p:extLst>
       <p:ext uri="{BB962C8B-B14F-4D97-AF65-F5344CB8AC3E}">
-        <p14:creationId xmlns:p14="http://schemas.microsoft.com/office/powerpoint/2010/main" xmlns="" val="1715251495"/>
+        <p14:creationId xmlns="" xmlns:p14="http://schemas.microsoft.com/office/powerpoint/2010/main" val="1715251495"/>
       </p:ext>
     </p:extLst>
   </p:cSld>
@@ -15248,7 +15417,7 @@
     </p:spTree>
     <p:extLst>
       <p:ext uri="{BB962C8B-B14F-4D97-AF65-F5344CB8AC3E}">
-        <p14:creationId xmlns:p14="http://schemas.microsoft.com/office/powerpoint/2010/main" xmlns="" val="1541760986"/>
+        <p14:creationId xmlns="" xmlns:p14="http://schemas.microsoft.com/office/powerpoint/2010/main" val="1541760986"/>
       </p:ext>
     </p:extLst>
   </p:cSld>
@@ -15714,14 +15883,14 @@
           <a:ln w="9525"/>
           <a:extLst>
             <a:ext uri="{909E8E84-426E-40DD-AFC4-6F175D3DCCD1}">
-              <a14:hiddenFill xmlns:a14="http://schemas.microsoft.com/office/drawing/2010/main" xmlns="">
+              <a14:hiddenFill xmlns="" xmlns:a14="http://schemas.microsoft.com/office/drawing/2010/main">
                 <a:solidFill>
                   <a:srgbClr val="FFFFFF"/>
                 </a:solidFill>
               </a14:hiddenFill>
             </a:ext>
             <a:ext uri="{91240B29-F687-4F45-9708-019B960494DF}">
-              <a14:hiddenLine xmlns:a14="http://schemas.microsoft.com/office/drawing/2010/main" xmlns="" w="12700">
+              <a14:hiddenLine xmlns="" xmlns:a14="http://schemas.microsoft.com/office/drawing/2010/main" w="12700">
                 <a:solidFill>
                   <a:srgbClr val="000000"/>
                 </a:solidFill>
@@ -15916,7 +16085,7 @@
           <a:blip r:embed="rId3" cstate="print">
             <a:extLst>
               <a:ext uri="{28A0092B-C50C-407E-A947-70E740481C1C}">
-                <a14:useLocalDpi xmlns:a14="http://schemas.microsoft.com/office/drawing/2010/main" xmlns="" val="0"/>
+                <a14:useLocalDpi xmlns="" xmlns:a14="http://schemas.microsoft.com/office/drawing/2010/main" val="0"/>
               </a:ext>
             </a:extLst>
           </a:blip>
@@ -15939,14 +16108,14 @@
           </a:ln>
           <a:extLst>
             <a:ext uri="{909E8E84-426E-40DD-AFC4-6F175D3DCCD1}">
-              <a14:hiddenFill xmlns:a14="http://schemas.microsoft.com/office/drawing/2010/main" xmlns="">
+              <a14:hiddenFill xmlns="" xmlns:a14="http://schemas.microsoft.com/office/drawing/2010/main">
                 <a:solidFill>
                   <a:srgbClr val="FFFFFF"/>
                 </a:solidFill>
               </a14:hiddenFill>
             </a:ext>
             <a:ext uri="{91240B29-F687-4F45-9708-019B960494DF}">
-              <a14:hiddenLine xmlns:a14="http://schemas.microsoft.com/office/drawing/2010/main" xmlns="" w="9525">
+              <a14:hiddenLine xmlns="" xmlns:a14="http://schemas.microsoft.com/office/drawing/2010/main" w="9525">
                 <a:solidFill>
                   <a:srgbClr val="000000"/>
                 </a:solidFill>
@@ -16085,7 +16254,7 @@
           <a:blip r:embed="rId4" cstate="print">
             <a:extLst>
               <a:ext uri="{28A0092B-C50C-407E-A947-70E740481C1C}">
-                <a14:useLocalDpi xmlns:a14="http://schemas.microsoft.com/office/drawing/2010/main" xmlns="" val="0"/>
+                <a14:useLocalDpi xmlns="" xmlns:a14="http://schemas.microsoft.com/office/drawing/2010/main" val="0"/>
               </a:ext>
             </a:extLst>
           </a:blip>
@@ -16109,14 +16278,14 @@
           <a:effectLst/>
           <a:extLst>
             <a:ext uri="{909E8E84-426E-40DD-AFC4-6F175D3DCCD1}">
-              <a14:hiddenFill xmlns:a14="http://schemas.microsoft.com/office/drawing/2010/main" xmlns="">
+              <a14:hiddenFill xmlns="" xmlns:a14="http://schemas.microsoft.com/office/drawing/2010/main">
                 <a:solidFill>
                   <a:schemeClr val="accent1"/>
                 </a:solidFill>
               </a14:hiddenFill>
             </a:ext>
             <a:ext uri="{91240B29-F687-4F45-9708-019B960494DF}">
-              <a14:hiddenLine xmlns:a14="http://schemas.microsoft.com/office/drawing/2010/main" xmlns="" w="9525">
+              <a14:hiddenLine xmlns="" xmlns:a14="http://schemas.microsoft.com/office/drawing/2010/main" w="9525">
                 <a:solidFill>
                   <a:schemeClr val="tx1"/>
                 </a:solidFill>
@@ -16126,7 +16295,7 @@
               </a14:hiddenLine>
             </a:ext>
             <a:ext uri="{AF507438-7753-43E0-B8FC-AC1667EBCBE1}">
-              <a14:hiddenEffects xmlns:a14="http://schemas.microsoft.com/office/drawing/2010/main" xmlns="">
+              <a14:hiddenEffects xmlns="" xmlns:a14="http://schemas.microsoft.com/office/drawing/2010/main">
                 <a:effectLst>
                   <a:outerShdw dist="35921" dir="2700000" algn="ctr" rotWithShape="0">
                     <a:schemeClr val="bg2"/>
@@ -16149,7 +16318,7 @@
           <a:blip r:embed="rId4" cstate="print">
             <a:extLst>
               <a:ext uri="{28A0092B-C50C-407E-A947-70E740481C1C}">
-                <a14:useLocalDpi xmlns:a14="http://schemas.microsoft.com/office/drawing/2010/main" xmlns="" val="0"/>
+                <a14:useLocalDpi xmlns="" xmlns:a14="http://schemas.microsoft.com/office/drawing/2010/main" val="0"/>
               </a:ext>
             </a:extLst>
           </a:blip>
@@ -16173,14 +16342,14 @@
           <a:effectLst/>
           <a:extLst>
             <a:ext uri="{909E8E84-426E-40DD-AFC4-6F175D3DCCD1}">
-              <a14:hiddenFill xmlns:a14="http://schemas.microsoft.com/office/drawing/2010/main" xmlns="">
+              <a14:hiddenFill xmlns="" xmlns:a14="http://schemas.microsoft.com/office/drawing/2010/main">
                 <a:solidFill>
                   <a:schemeClr val="accent1"/>
                 </a:solidFill>
               </a14:hiddenFill>
             </a:ext>
             <a:ext uri="{91240B29-F687-4F45-9708-019B960494DF}">
-              <a14:hiddenLine xmlns:a14="http://schemas.microsoft.com/office/drawing/2010/main" xmlns="" w="9525">
+              <a14:hiddenLine xmlns="" xmlns:a14="http://schemas.microsoft.com/office/drawing/2010/main" w="9525">
                 <a:solidFill>
                   <a:schemeClr val="tx1"/>
                 </a:solidFill>
@@ -16190,7 +16359,7 @@
               </a14:hiddenLine>
             </a:ext>
             <a:ext uri="{AF507438-7753-43E0-B8FC-AC1667EBCBE1}">
-              <a14:hiddenEffects xmlns:a14="http://schemas.microsoft.com/office/drawing/2010/main" xmlns="">
+              <a14:hiddenEffects xmlns="" xmlns:a14="http://schemas.microsoft.com/office/drawing/2010/main">
                 <a:effectLst>
                   <a:outerShdw dist="35921" dir="2700000" algn="ctr" rotWithShape="0">
                     <a:schemeClr val="bg2"/>
@@ -16213,7 +16382,7 @@
           <a:blip r:embed="rId5" cstate="print">
             <a:extLst>
               <a:ext uri="{28A0092B-C50C-407E-A947-70E740481C1C}">
-                <a14:useLocalDpi xmlns:a14="http://schemas.microsoft.com/office/drawing/2010/main" xmlns="" val="0"/>
+                <a14:useLocalDpi xmlns="" xmlns:a14="http://schemas.microsoft.com/office/drawing/2010/main" val="0"/>
               </a:ext>
             </a:extLst>
           </a:blip>
@@ -16237,14 +16406,14 @@
           <a:effectLst/>
           <a:extLst>
             <a:ext uri="{909E8E84-426E-40DD-AFC4-6F175D3DCCD1}">
-              <a14:hiddenFill xmlns:a14="http://schemas.microsoft.com/office/drawing/2010/main" xmlns="">
+              <a14:hiddenFill xmlns="" xmlns:a14="http://schemas.microsoft.com/office/drawing/2010/main">
                 <a:solidFill>
                   <a:schemeClr val="accent1"/>
                 </a:solidFill>
               </a14:hiddenFill>
             </a:ext>
             <a:ext uri="{91240B29-F687-4F45-9708-019B960494DF}">
-              <a14:hiddenLine xmlns:a14="http://schemas.microsoft.com/office/drawing/2010/main" xmlns="" w="9525">
+              <a14:hiddenLine xmlns="" xmlns:a14="http://schemas.microsoft.com/office/drawing/2010/main" w="9525">
                 <a:solidFill>
                   <a:schemeClr val="tx1"/>
                 </a:solidFill>
@@ -16254,7 +16423,7 @@
               </a14:hiddenLine>
             </a:ext>
             <a:ext uri="{AF507438-7753-43E0-B8FC-AC1667EBCBE1}">
-              <a14:hiddenEffects xmlns:a14="http://schemas.microsoft.com/office/drawing/2010/main" xmlns="">
+              <a14:hiddenEffects xmlns="" xmlns:a14="http://schemas.microsoft.com/office/drawing/2010/main">
                 <a:effectLst>
                   <a:outerShdw dist="35921" dir="2700000" algn="ctr" rotWithShape="0">
                     <a:schemeClr val="bg2"/>
@@ -16321,7 +16490,7 @@
             <a:blip r:embed="rId6" cstate="print">
               <a:extLst>
                 <a:ext uri="{28A0092B-C50C-407E-A947-70E740481C1C}">
-                  <a14:useLocalDpi xmlns:a14="http://schemas.microsoft.com/office/drawing/2010/main" xmlns="" val="0"/>
+                  <a14:useLocalDpi xmlns="" xmlns:a14="http://schemas.microsoft.com/office/drawing/2010/main" val="0"/>
                 </a:ext>
               </a:extLst>
             </a:blip>
@@ -16508,7 +16677,7 @@
           <a:blip r:embed="rId7" cstate="print">
             <a:extLst>
               <a:ext uri="{28A0092B-C50C-407E-A947-70E740481C1C}">
-                <a14:useLocalDpi xmlns:a14="http://schemas.microsoft.com/office/drawing/2010/main" xmlns="" val="0"/>
+                <a14:useLocalDpi xmlns="" xmlns:a14="http://schemas.microsoft.com/office/drawing/2010/main" val="0"/>
               </a:ext>
             </a:extLst>
           </a:blip>
@@ -16566,7 +16735,7 @@
         </p:txBody>
       </p:sp>
       <mc:AlternateContent xmlns:mc="http://schemas.openxmlformats.org/markup-compatibility/2006">
-        <mc:Choice xmlns:a14="http://schemas.microsoft.com/office/drawing/2010/main" xmlns="" Requires="a14">
+        <mc:Choice xmlns="" xmlns:a14="http://schemas.microsoft.com/office/drawing/2010/main" Requires="a14">
           <p:sp>
             <p:nvSpPr>
               <p:cNvPr id="15" name="TextBox 14"/>
@@ -16719,7 +16888,7 @@
         </mc:Fallback>
       </mc:AlternateContent>
       <mc:AlternateContent xmlns:mc="http://schemas.openxmlformats.org/markup-compatibility/2006">
-        <mc:Choice xmlns:a14="http://schemas.microsoft.com/office/drawing/2010/main" xmlns="" Requires="a14">
+        <mc:Choice xmlns="" xmlns:a14="http://schemas.microsoft.com/office/drawing/2010/main" Requires="a14">
           <p:sp>
             <p:nvSpPr>
               <p:cNvPr id="46" name="TextBox 45"/>
@@ -18024,7 +18193,7 @@
     </p:spTree>
     <p:extLst>
       <p:ext uri="{BB962C8B-B14F-4D97-AF65-F5344CB8AC3E}">
-        <p14:creationId xmlns:p14="http://schemas.microsoft.com/office/powerpoint/2010/main" xmlns="" val="1290037555"/>
+        <p14:creationId xmlns="" xmlns:p14="http://schemas.microsoft.com/office/powerpoint/2010/main" val="1290037555"/>
       </p:ext>
     </p:extLst>
   </p:cSld>
@@ -18032,7 +18201,7 @@
     <a:masterClrMapping/>
   </p:clrMapOvr>
   <mc:AlternateContent xmlns:mc="http://schemas.openxmlformats.org/markup-compatibility/2006">
-    <mc:Choice xmlns:p14="http://schemas.microsoft.com/office/powerpoint/2010/main" xmlns="" Requires="p14">
+    <mc:Choice xmlns="" xmlns:p14="http://schemas.microsoft.com/office/powerpoint/2010/main" Requires="p14">
       <p:transition spd="slow" p14:dur="2000"/>
     </mc:Choice>
     <mc:Fallback>
